--- a/module h/en-us/Spectral Thinking - Module H. The Circle of Debunking.en-us.pptx
+++ b/module h/en-us/Spectral Thinking - Module H. The Circle of Debunking.en-us.pptx
@@ -3967,7 +3967,7 @@
         <p:spPr>
           <a:xfrm>
             <a:off x="989610" y="1906772"/>
-            <a:ext cx="2406009" cy="923330"/>
+            <a:ext cx="2592162" cy="923330"/>
           </a:xfrm>
           <a:prstGeom prst="rect">
             <a:avLst/>
@@ -3989,7 +3989,7 @@
             </a:br>
             <a:r>
               <a:rPr lang="en-US" sz="1200" dirty="0"/>
-              <a:t>Write down 4-5 personal attributes, that make you unique, that are core part of you character of personality.</a:t>
+              <a:t>Write down 4-5 personal attributes that make you unique or that are core part of you character or personality.</a:t>
             </a:r>
             <a:endParaRPr lang="en-US" dirty="0"/>
           </a:p>
